--- a/ASP.NET Web Forms/06. ASP.NET Data Source Controls/ASP.NET-DataSource-Controls.pptx
+++ b/ASP.NET Web Forms/06. ASP.NET Data Source Controls/ASP.NET-DataSource-Controls.pptx
@@ -324,7 +324,7 @@
             <a:fld id="{3BF7C7B5-275F-4D1F-9AB4-9255447DBC73}" type="datetimeFigureOut">
               <a:rPr lang="en-US"/>
               <a:pPr/>
-              <a:t>10/20/2014</a:t>
+              <a:t>10/21/2014</a:t>
             </a:fld>
             <a:endParaRPr lang="en-US" dirty="0"/>
           </a:p>
@@ -555,7 +555,7 @@
             <a:fld id="{9B46F231-FB2B-4655-A644-E2477325E686}" type="datetimeFigureOut">
               <a:rPr lang="en-US"/>
               <a:pPr/>
-              <a:t>10/20/2014</a:t>
+              <a:t>10/21/2014</a:t>
             </a:fld>
             <a:endParaRPr lang="en-US" dirty="0"/>
           </a:p>
